--- a/Consensus Study/Raft Study.pptx
+++ b/Consensus Study/Raft Study.pptx
@@ -11,6 +11,12 @@
     <p:sldId id="259" r:id="rId5"/>
     <p:sldId id="260" r:id="rId6"/>
     <p:sldId id="261" r:id="rId7"/>
+    <p:sldId id="262" r:id="rId8"/>
+    <p:sldId id="263" r:id="rId9"/>
+    <p:sldId id="264" r:id="rId10"/>
+    <p:sldId id="265" r:id="rId11"/>
+    <p:sldId id="266" r:id="rId12"/>
+    <p:sldId id="267" r:id="rId13"/>
   </p:sldIdLst>
   <p:sldSz cx="12192000" cy="6858000"/>
   <p:notesSz cx="6858000" cy="9144000"/>
@@ -305,7 +311,7 @@
           <a:p>
             <a:fld id="{87E80365-7F13-481B-97E0-E813E46E1250}" type="datetimeFigureOut">
               <a:rPr lang="zh-CN" altLang="en-US" smtClean="0"/>
-              <a:t>2019/6/1</a:t>
+              <a:t>2019/6/2</a:t>
             </a:fld>
             <a:endParaRPr lang="zh-CN" altLang="en-US"/>
           </a:p>
@@ -643,7 +649,7 @@
           <a:p>
             <a:fld id="{87E80365-7F13-481B-97E0-E813E46E1250}" type="datetimeFigureOut">
               <a:rPr lang="zh-CN" altLang="en-US" smtClean="0"/>
-              <a:t>2019/6/1</a:t>
+              <a:t>2019/6/2</a:t>
             </a:fld>
             <a:endParaRPr lang="zh-CN" altLang="en-US"/>
           </a:p>
@@ -1044,7 +1050,7 @@
           <a:p>
             <a:fld id="{87E80365-7F13-481B-97E0-E813E46E1250}" type="datetimeFigureOut">
               <a:rPr lang="zh-CN" altLang="en-US" smtClean="0"/>
-              <a:t>2019/6/1</a:t>
+              <a:t>2019/6/2</a:t>
             </a:fld>
             <a:endParaRPr lang="zh-CN" altLang="en-US"/>
           </a:p>
@@ -1380,7 +1386,7 @@
           <a:p>
             <a:fld id="{87E80365-7F13-481B-97E0-E813E46E1250}" type="datetimeFigureOut">
               <a:rPr lang="zh-CN" altLang="en-US" smtClean="0"/>
-              <a:t>2019/6/1</a:t>
+              <a:t>2019/6/2</a:t>
             </a:fld>
             <a:endParaRPr lang="zh-CN" altLang="en-US"/>
           </a:p>
@@ -1700,7 +1706,7 @@
           <a:p>
             <a:fld id="{87E80365-7F13-481B-97E0-E813E46E1250}" type="datetimeFigureOut">
               <a:rPr lang="zh-CN" altLang="en-US" smtClean="0"/>
-              <a:t>2019/6/1</a:t>
+              <a:t>2019/6/2</a:t>
             </a:fld>
             <a:endParaRPr lang="zh-CN" altLang="en-US"/>
           </a:p>
@@ -2096,7 +2102,7 @@
           <a:p>
             <a:fld id="{87E80365-7F13-481B-97E0-E813E46E1250}" type="datetimeFigureOut">
               <a:rPr lang="zh-CN" altLang="en-US" smtClean="0"/>
-              <a:t>2019/6/1</a:t>
+              <a:t>2019/6/2</a:t>
             </a:fld>
             <a:endParaRPr lang="zh-CN" altLang="en-US"/>
           </a:p>
@@ -2353,7 +2359,7 @@
           <a:p>
             <a:fld id="{87E80365-7F13-481B-97E0-E813E46E1250}" type="datetimeFigureOut">
               <a:rPr lang="zh-CN" altLang="en-US" smtClean="0"/>
-              <a:t>2019/6/1</a:t>
+              <a:t>2019/6/2</a:t>
             </a:fld>
             <a:endParaRPr lang="zh-CN" altLang="en-US"/>
           </a:p>
@@ -2615,7 +2621,7 @@
           <a:p>
             <a:fld id="{87E80365-7F13-481B-97E0-E813E46E1250}" type="datetimeFigureOut">
               <a:rPr lang="zh-CN" altLang="en-US" smtClean="0"/>
-              <a:t>2019/6/1</a:t>
+              <a:t>2019/6/2</a:t>
             </a:fld>
             <a:endParaRPr lang="zh-CN" altLang="en-US"/>
           </a:p>
@@ -2877,7 +2883,7 @@
           <a:p>
             <a:fld id="{87E80365-7F13-481B-97E0-E813E46E1250}" type="datetimeFigureOut">
               <a:rPr lang="zh-CN" altLang="en-US" smtClean="0"/>
-              <a:t>2019/6/1</a:t>
+              <a:t>2019/6/2</a:t>
             </a:fld>
             <a:endParaRPr lang="zh-CN" altLang="en-US"/>
           </a:p>
@@ -3206,7 +3212,7 @@
           <a:p>
             <a:fld id="{87E80365-7F13-481B-97E0-E813E46E1250}" type="datetimeFigureOut">
               <a:rPr lang="zh-CN" altLang="en-US" smtClean="0"/>
-              <a:t>2019/6/1</a:t>
+              <a:t>2019/6/2</a:t>
             </a:fld>
             <a:endParaRPr lang="zh-CN" altLang="en-US"/>
           </a:p>
@@ -3529,7 +3535,7 @@
           <a:p>
             <a:fld id="{87E80365-7F13-481B-97E0-E813E46E1250}" type="datetimeFigureOut">
               <a:rPr lang="zh-CN" altLang="en-US" smtClean="0"/>
-              <a:t>2019/6/1</a:t>
+              <a:t>2019/6/2</a:t>
             </a:fld>
             <a:endParaRPr lang="zh-CN" altLang="en-US"/>
           </a:p>
@@ -3986,7 +3992,7 @@
           <a:p>
             <a:fld id="{87E80365-7F13-481B-97E0-E813E46E1250}" type="datetimeFigureOut">
               <a:rPr lang="zh-CN" altLang="en-US" smtClean="0"/>
-              <a:t>2019/6/1</a:t>
+              <a:t>2019/6/2</a:t>
             </a:fld>
             <a:endParaRPr lang="zh-CN" altLang="en-US"/>
           </a:p>
@@ -4191,7 +4197,7 @@
           <a:p>
             <a:fld id="{87E80365-7F13-481B-97E0-E813E46E1250}" type="datetimeFigureOut">
               <a:rPr lang="zh-CN" altLang="en-US" smtClean="0"/>
-              <a:t>2019/6/1</a:t>
+              <a:t>2019/6/2</a:t>
             </a:fld>
             <a:endParaRPr lang="zh-CN" altLang="en-US"/>
           </a:p>
@@ -4368,7 +4374,7 @@
           <a:p>
             <a:fld id="{87E80365-7F13-481B-97E0-E813E46E1250}" type="datetimeFigureOut">
               <a:rPr lang="zh-CN" altLang="en-US" smtClean="0"/>
-              <a:t>2019/6/1</a:t>
+              <a:t>2019/6/2</a:t>
             </a:fld>
             <a:endParaRPr lang="zh-CN" altLang="en-US"/>
           </a:p>
@@ -4701,7 +4707,7 @@
           <a:p>
             <a:fld id="{87E80365-7F13-481B-97E0-E813E46E1250}" type="datetimeFigureOut">
               <a:rPr lang="zh-CN" altLang="en-US" smtClean="0"/>
-              <a:t>2019/6/1</a:t>
+              <a:t>2019/6/2</a:t>
             </a:fld>
             <a:endParaRPr lang="zh-CN" altLang="en-US"/>
           </a:p>
@@ -5046,7 +5052,7 @@
           <a:p>
             <a:fld id="{87E80365-7F13-481B-97E0-E813E46E1250}" type="datetimeFigureOut">
               <a:rPr lang="zh-CN" altLang="en-US" smtClean="0"/>
-              <a:t>2019/6/1</a:t>
+              <a:t>2019/6/2</a:t>
             </a:fld>
             <a:endParaRPr lang="zh-CN" altLang="en-US"/>
           </a:p>
@@ -7163,7 +7169,7 @@
           <a:p>
             <a:fld id="{87E80365-7F13-481B-97E0-E813E46E1250}" type="datetimeFigureOut">
               <a:rPr lang="zh-CN" altLang="en-US" smtClean="0"/>
-              <a:t>2019/6/1</a:t>
+              <a:t>2019/6/2</a:t>
             </a:fld>
             <a:endParaRPr lang="zh-CN" altLang="en-US"/>
           </a:p>
@@ -7732,6 +7738,7 @@
           <a:bodyPr/>
           <a:lstStyle/>
           <a:p>
+            <a:pPr algn="ctr"/>
             <a:r>
               <a:rPr lang="en-US" altLang="zh-CN" dirty="0"/>
               <a:t>Dang </a:t>
@@ -7743,6 +7750,7 @@
             <a:endParaRPr lang="en-US" altLang="zh-CN" dirty="0"/>
           </a:p>
           <a:p>
+            <a:pPr algn="ctr"/>
             <a:r>
               <a:rPr lang="en-US" altLang="zh-CN" dirty="0"/>
               <a:t>2019-05-31</a:t>
@@ -7755,6 +7763,296 @@
     <p:extLst>
       <p:ext uri="{BB962C8B-B14F-4D97-AF65-F5344CB8AC3E}">
         <p14:creationId xmlns:p14="http://schemas.microsoft.com/office/powerpoint/2010/main" val="3248016699"/>
+      </p:ext>
+    </p:extLst>
+  </p:cSld>
+  <p:clrMapOvr>
+    <a:masterClrMapping/>
+  </p:clrMapOvr>
+</p:sld>
+</file>
+
+<file path=ppt/slides/slide10.xml><?xml version="1.0" encoding="utf-8"?>
+<p:sld xmlns:a="http://schemas.openxmlformats.org/drawingml/2006/main" xmlns:r="http://schemas.openxmlformats.org/officeDocument/2006/relationships" xmlns:p="http://schemas.openxmlformats.org/presentationml/2006/main">
+  <p:cSld>
+    <p:spTree>
+      <p:nvGrpSpPr>
+        <p:cNvPr id="1" name=""/>
+        <p:cNvGrpSpPr/>
+        <p:nvPr/>
+      </p:nvGrpSpPr>
+      <p:grpSpPr>
+        <a:xfrm>
+          <a:off x="0" y="0"/>
+          <a:ext cx="0" cy="0"/>
+          <a:chOff x="0" y="0"/>
+          <a:chExt cx="0" cy="0"/>
+        </a:xfrm>
+      </p:grpSpPr>
+      <p:sp>
+        <p:nvSpPr>
+          <p:cNvPr id="2" name="Title 1">
+            <a:extLst>
+              <a:ext uri="{FF2B5EF4-FFF2-40B4-BE49-F238E27FC236}">
+                <a16:creationId xmlns:a16="http://schemas.microsoft.com/office/drawing/2014/main" id="{3A351228-3DFD-49BF-A9D9-AAAE4417653C}"/>
+              </a:ext>
+            </a:extLst>
+          </p:cNvPr>
+          <p:cNvSpPr>
+            <a:spLocks noGrp="1"/>
+          </p:cNvSpPr>
+          <p:nvPr>
+            <p:ph type="title"/>
+          </p:nvPr>
+        </p:nvSpPr>
+        <p:spPr/>
+        <p:txBody>
+          <a:bodyPr/>
+          <a:lstStyle/>
+          <a:p>
+            <a:endParaRPr lang="zh-CN" altLang="en-US"/>
+          </a:p>
+        </p:txBody>
+      </p:sp>
+      <p:sp>
+        <p:nvSpPr>
+          <p:cNvPr id="3" name="Content Placeholder 2">
+            <a:extLst>
+              <a:ext uri="{FF2B5EF4-FFF2-40B4-BE49-F238E27FC236}">
+                <a16:creationId xmlns:a16="http://schemas.microsoft.com/office/drawing/2014/main" id="{980C0376-190F-4DAB-8665-2D46AB2E725F}"/>
+              </a:ext>
+            </a:extLst>
+          </p:cNvPr>
+          <p:cNvSpPr>
+            <a:spLocks noGrp="1"/>
+          </p:cNvSpPr>
+          <p:nvPr>
+            <p:ph idx="1"/>
+          </p:nvPr>
+        </p:nvSpPr>
+        <p:spPr/>
+        <p:txBody>
+          <a:bodyPr/>
+          <a:lstStyle/>
+          <a:p>
+            <a:r>
+              <a:rPr lang="en-US" altLang="zh-CN" dirty="0"/>
+              <a:t>Term acts as logical clock, and they allow servers to detect obsolete information such as stale leaders. Each server stores a current term number, which increases monotonically over time.</a:t>
+            </a:r>
+          </a:p>
+          <a:p>
+            <a:r>
+              <a:rPr lang="en-US" altLang="zh-CN" dirty="0"/>
+              <a:t>Current terms are exchanged whenever servers communicate; if one server’s current term is smaller than the other’s, then it updates its current term to the larger value. If a candidate or leader discovers that its term is out of date, it immediately reverts to follower state. If a server receives a request with a stale term number, it rejects the request.</a:t>
+            </a:r>
+          </a:p>
+          <a:p>
+            <a:pPr lvl="1"/>
+            <a:r>
+              <a:rPr lang="en-US" altLang="zh-CN" dirty="0"/>
+              <a:t>This means these states are ONLY with in one term.</a:t>
+            </a:r>
+          </a:p>
+          <a:p>
+            <a:pPr lvl="1"/>
+            <a:r>
+              <a:rPr lang="en-US" altLang="zh-CN" dirty="0"/>
+              <a:t>Message Types: Vote message and append log message which also used to heartbeat</a:t>
+            </a:r>
+            <a:endParaRPr lang="zh-CN" altLang="en-US" dirty="0"/>
+          </a:p>
+        </p:txBody>
+      </p:sp>
+    </p:spTree>
+    <p:extLst>
+      <p:ext uri="{BB962C8B-B14F-4D97-AF65-F5344CB8AC3E}">
+        <p14:creationId xmlns:p14="http://schemas.microsoft.com/office/powerpoint/2010/main" val="2896056945"/>
+      </p:ext>
+    </p:extLst>
+  </p:cSld>
+  <p:clrMapOvr>
+    <a:masterClrMapping/>
+  </p:clrMapOvr>
+</p:sld>
+</file>
+
+<file path=ppt/slides/slide11.xml><?xml version="1.0" encoding="utf-8"?>
+<p:sld xmlns:a="http://schemas.openxmlformats.org/drawingml/2006/main" xmlns:r="http://schemas.openxmlformats.org/officeDocument/2006/relationships" xmlns:p="http://schemas.openxmlformats.org/presentationml/2006/main">
+  <p:cSld>
+    <p:spTree>
+      <p:nvGrpSpPr>
+        <p:cNvPr id="1" name=""/>
+        <p:cNvGrpSpPr/>
+        <p:nvPr/>
+      </p:nvGrpSpPr>
+      <p:grpSpPr>
+        <a:xfrm>
+          <a:off x="0" y="0"/>
+          <a:ext cx="0" cy="0"/>
+          <a:chOff x="0" y="0"/>
+          <a:chExt cx="0" cy="0"/>
+        </a:xfrm>
+      </p:grpSpPr>
+      <p:sp>
+        <p:nvSpPr>
+          <p:cNvPr id="2" name="Title 1">
+            <a:extLst>
+              <a:ext uri="{FF2B5EF4-FFF2-40B4-BE49-F238E27FC236}">
+                <a16:creationId xmlns:a16="http://schemas.microsoft.com/office/drawing/2014/main" id="{E06D6302-CA31-4728-AA64-330C1980216B}"/>
+              </a:ext>
+            </a:extLst>
+          </p:cNvPr>
+          <p:cNvSpPr>
+            <a:spLocks noGrp="1"/>
+          </p:cNvSpPr>
+          <p:nvPr>
+            <p:ph type="title"/>
+          </p:nvPr>
+        </p:nvSpPr>
+        <p:spPr/>
+        <p:txBody>
+          <a:bodyPr/>
+          <a:lstStyle/>
+          <a:p>
+            <a:pPr algn="ctr"/>
+            <a:r>
+              <a:rPr lang="en-US" altLang="zh-CN" dirty="0"/>
+              <a:t>Raft Leader Election</a:t>
+            </a:r>
+            <a:endParaRPr lang="zh-CN" altLang="en-US" dirty="0"/>
+          </a:p>
+        </p:txBody>
+      </p:sp>
+      <p:sp>
+        <p:nvSpPr>
+          <p:cNvPr id="3" name="Content Placeholder 2">
+            <a:extLst>
+              <a:ext uri="{FF2B5EF4-FFF2-40B4-BE49-F238E27FC236}">
+                <a16:creationId xmlns:a16="http://schemas.microsoft.com/office/drawing/2014/main" id="{B52F2DA0-D681-40A2-A282-357D14E0385E}"/>
+              </a:ext>
+            </a:extLst>
+          </p:cNvPr>
+          <p:cNvSpPr>
+            <a:spLocks noGrp="1"/>
+          </p:cNvSpPr>
+          <p:nvPr>
+            <p:ph idx="1"/>
+          </p:nvPr>
+        </p:nvSpPr>
+        <p:spPr/>
+        <p:txBody>
+          <a:bodyPr/>
+          <a:lstStyle/>
+          <a:p>
+            <a:endParaRPr lang="zh-CN" altLang="en-US" dirty="0"/>
+          </a:p>
+        </p:txBody>
+      </p:sp>
+    </p:spTree>
+    <p:extLst>
+      <p:ext uri="{BB962C8B-B14F-4D97-AF65-F5344CB8AC3E}">
+        <p14:creationId xmlns:p14="http://schemas.microsoft.com/office/powerpoint/2010/main" val="3354228319"/>
+      </p:ext>
+    </p:extLst>
+  </p:cSld>
+  <p:clrMapOvr>
+    <a:masterClrMapping/>
+  </p:clrMapOvr>
+</p:sld>
+</file>
+
+<file path=ppt/slides/slide12.xml><?xml version="1.0" encoding="utf-8"?>
+<p:sld xmlns:a="http://schemas.openxmlformats.org/drawingml/2006/main" xmlns:r="http://schemas.openxmlformats.org/officeDocument/2006/relationships" xmlns:p="http://schemas.openxmlformats.org/presentationml/2006/main">
+  <p:cSld>
+    <p:spTree>
+      <p:nvGrpSpPr>
+        <p:cNvPr id="1" name=""/>
+        <p:cNvGrpSpPr/>
+        <p:nvPr/>
+      </p:nvGrpSpPr>
+      <p:grpSpPr>
+        <a:xfrm>
+          <a:off x="0" y="0"/>
+          <a:ext cx="0" cy="0"/>
+          <a:chOff x="0" y="0"/>
+          <a:chExt cx="0" cy="0"/>
+        </a:xfrm>
+      </p:grpSpPr>
+      <p:sp>
+        <p:nvSpPr>
+          <p:cNvPr id="2" name="Title 1">
+            <a:extLst>
+              <a:ext uri="{FF2B5EF4-FFF2-40B4-BE49-F238E27FC236}">
+                <a16:creationId xmlns:a16="http://schemas.microsoft.com/office/drawing/2014/main" id="{D4894754-DB84-4512-9015-B04D696D1CC4}"/>
+              </a:ext>
+            </a:extLst>
+          </p:cNvPr>
+          <p:cNvSpPr>
+            <a:spLocks noGrp="1"/>
+          </p:cNvSpPr>
+          <p:nvPr>
+            <p:ph type="title"/>
+          </p:nvPr>
+        </p:nvSpPr>
+        <p:spPr/>
+        <p:txBody>
+          <a:bodyPr/>
+          <a:lstStyle/>
+          <a:p>
+            <a:pPr algn="ctr"/>
+            <a:r>
+              <a:rPr lang="en-US" altLang="zh-CN" dirty="0"/>
+              <a:t>Log Replication</a:t>
+            </a:r>
+            <a:endParaRPr lang="zh-CN" altLang="en-US" dirty="0"/>
+          </a:p>
+        </p:txBody>
+      </p:sp>
+      <p:sp>
+        <p:nvSpPr>
+          <p:cNvPr id="3" name="Content Placeholder 2">
+            <a:extLst>
+              <a:ext uri="{FF2B5EF4-FFF2-40B4-BE49-F238E27FC236}">
+                <a16:creationId xmlns:a16="http://schemas.microsoft.com/office/drawing/2014/main" id="{EA48DCA9-89CE-4F95-BC69-3CA1740989DF}"/>
+              </a:ext>
+            </a:extLst>
+          </p:cNvPr>
+          <p:cNvSpPr>
+            <a:spLocks noGrp="1"/>
+          </p:cNvSpPr>
+          <p:nvPr>
+            <p:ph idx="1"/>
+          </p:nvPr>
+        </p:nvSpPr>
+        <p:spPr/>
+        <p:txBody>
+          <a:bodyPr/>
+          <a:lstStyle/>
+          <a:p>
+            <a:r>
+              <a:rPr lang="en-US" altLang="zh-CN" dirty="0"/>
+              <a:t>Leader append client command into local log files.</a:t>
+            </a:r>
+          </a:p>
+          <a:p>
+            <a:r>
+              <a:rPr lang="en-US" altLang="zh-CN" dirty="0"/>
+              <a:t>Send the new log entries t other servers within the cluster.</a:t>
+            </a:r>
+          </a:p>
+          <a:p>
+            <a:r>
+              <a:rPr lang="en-US" altLang="zh-CN" dirty="0"/>
+              <a:t>A log entry is committed once the leader that created the entry has replicated it on a majority of the servers. This also commits all preceding entries in the leader’s log, including entries created by previous leaders. There are subtleties when apply rule after leader change</a:t>
+            </a:r>
+            <a:endParaRPr lang="zh-CN" altLang="en-US" dirty="0"/>
+          </a:p>
+        </p:txBody>
+      </p:sp>
+    </p:spTree>
+    <p:extLst>
+      <p:ext uri="{BB962C8B-B14F-4D97-AF65-F5344CB8AC3E}">
+        <p14:creationId xmlns:p14="http://schemas.microsoft.com/office/powerpoint/2010/main" val="1779066933"/>
       </p:ext>
     </p:extLst>
   </p:cSld>
@@ -8309,6 +8607,349 @@
     <p:extLst>
       <p:ext uri="{BB962C8B-B14F-4D97-AF65-F5344CB8AC3E}">
         <p14:creationId xmlns:p14="http://schemas.microsoft.com/office/powerpoint/2010/main" val="3556143938"/>
+      </p:ext>
+    </p:extLst>
+  </p:cSld>
+  <p:clrMapOvr>
+    <a:masterClrMapping/>
+  </p:clrMapOvr>
+</p:sld>
+</file>
+
+<file path=ppt/slides/slide7.xml><?xml version="1.0" encoding="utf-8"?>
+<p:sld xmlns:a="http://schemas.openxmlformats.org/drawingml/2006/main" xmlns:r="http://schemas.openxmlformats.org/officeDocument/2006/relationships" xmlns:p="http://schemas.openxmlformats.org/presentationml/2006/main">
+  <p:cSld>
+    <p:spTree>
+      <p:nvGrpSpPr>
+        <p:cNvPr id="1" name=""/>
+        <p:cNvGrpSpPr/>
+        <p:nvPr/>
+      </p:nvGrpSpPr>
+      <p:grpSpPr>
+        <a:xfrm>
+          <a:off x="0" y="0"/>
+          <a:ext cx="0" cy="0"/>
+          <a:chOff x="0" y="0"/>
+          <a:chExt cx="0" cy="0"/>
+        </a:xfrm>
+      </p:grpSpPr>
+      <p:sp>
+        <p:nvSpPr>
+          <p:cNvPr id="2" name="Title 1">
+            <a:extLst>
+              <a:ext uri="{FF2B5EF4-FFF2-40B4-BE49-F238E27FC236}">
+                <a16:creationId xmlns:a16="http://schemas.microsoft.com/office/drawing/2014/main" id="{18AB70FB-FCD8-4F3A-A5BD-6ECE82397EAF}"/>
+              </a:ext>
+            </a:extLst>
+          </p:cNvPr>
+          <p:cNvSpPr>
+            <a:spLocks noGrp="1"/>
+          </p:cNvSpPr>
+          <p:nvPr>
+            <p:ph type="title"/>
+          </p:nvPr>
+        </p:nvSpPr>
+        <p:spPr/>
+        <p:txBody>
+          <a:bodyPr/>
+          <a:lstStyle/>
+          <a:p>
+            <a:r>
+              <a:rPr lang="en-US" altLang="zh-CN" dirty="0"/>
+              <a:t>State of server of Raft Cluster</a:t>
+            </a:r>
+            <a:endParaRPr lang="zh-CN" altLang="en-US" dirty="0"/>
+          </a:p>
+        </p:txBody>
+      </p:sp>
+      <p:sp>
+        <p:nvSpPr>
+          <p:cNvPr id="3" name="Content Placeholder 2">
+            <a:extLst>
+              <a:ext uri="{FF2B5EF4-FFF2-40B4-BE49-F238E27FC236}">
+                <a16:creationId xmlns:a16="http://schemas.microsoft.com/office/drawing/2014/main" id="{8B256B7B-1AEB-4EDD-897E-0FB6F100C249}"/>
+              </a:ext>
+            </a:extLst>
+          </p:cNvPr>
+          <p:cNvSpPr>
+            <a:spLocks noGrp="1"/>
+          </p:cNvSpPr>
+          <p:nvPr>
+            <p:ph idx="1"/>
+          </p:nvPr>
+        </p:nvSpPr>
+        <p:spPr/>
+        <p:txBody>
+          <a:bodyPr/>
+          <a:lstStyle/>
+          <a:p>
+            <a:r>
+              <a:rPr lang="en-US" altLang="zh-CN" dirty="0"/>
+              <a:t>At any time each server is in one of three states: </a:t>
+            </a:r>
+            <a:br>
+              <a:rPr lang="en-US" altLang="zh-CN" dirty="0"/>
+            </a:br>
+            <a:r>
+              <a:rPr lang="en-US" altLang="zh-CN" dirty="0">
+                <a:solidFill>
+                  <a:srgbClr val="00B0F0"/>
+                </a:solidFill>
+              </a:rPr>
+              <a:t>leader</a:t>
+            </a:r>
+            <a:r>
+              <a:rPr lang="en-US" altLang="zh-CN" dirty="0"/>
+              <a:t>: Only leader state can handle client request. At most one leader in Raft cluster at any time</a:t>
+            </a:r>
+            <a:br>
+              <a:rPr lang="en-US" altLang="zh-CN" dirty="0"/>
+            </a:br>
+            <a:r>
+              <a:rPr lang="en-US" altLang="zh-CN" dirty="0">
+                <a:solidFill>
+                  <a:srgbClr val="00B0F0"/>
+                </a:solidFill>
+              </a:rPr>
+              <a:t>follower</a:t>
+            </a:r>
+            <a:r>
+              <a:rPr lang="en-US" altLang="zh-CN" dirty="0"/>
+              <a:t>: they issue no requests on their own but simply respond to requests from leaders and candidates</a:t>
+            </a:r>
+            <a:br>
+              <a:rPr lang="en-US" altLang="zh-CN" dirty="0"/>
+            </a:br>
+            <a:r>
+              <a:rPr lang="en-US" altLang="zh-CN" dirty="0">
+                <a:solidFill>
+                  <a:srgbClr val="00B0F0"/>
+                </a:solidFill>
+              </a:rPr>
+              <a:t>candidate</a:t>
+            </a:r>
+            <a:r>
+              <a:rPr lang="en-US" altLang="zh-CN" dirty="0"/>
+              <a:t>: the state is ONLY used to elect new leader</a:t>
+            </a:r>
+            <a:endParaRPr lang="zh-CN" altLang="en-US" dirty="0"/>
+          </a:p>
+        </p:txBody>
+      </p:sp>
+    </p:spTree>
+    <p:extLst>
+      <p:ext uri="{BB962C8B-B14F-4D97-AF65-F5344CB8AC3E}">
+        <p14:creationId xmlns:p14="http://schemas.microsoft.com/office/powerpoint/2010/main" val="1188675089"/>
+      </p:ext>
+    </p:extLst>
+  </p:cSld>
+  <p:clrMapOvr>
+    <a:masterClrMapping/>
+  </p:clrMapOvr>
+</p:sld>
+</file>
+
+<file path=ppt/slides/slide8.xml><?xml version="1.0" encoding="utf-8"?>
+<p:sld xmlns:a="http://schemas.openxmlformats.org/drawingml/2006/main" xmlns:r="http://schemas.openxmlformats.org/officeDocument/2006/relationships" xmlns:p="http://schemas.openxmlformats.org/presentationml/2006/main">
+  <p:cSld>
+    <p:spTree>
+      <p:nvGrpSpPr>
+        <p:cNvPr id="1" name=""/>
+        <p:cNvGrpSpPr/>
+        <p:nvPr/>
+      </p:nvGrpSpPr>
+      <p:grpSpPr>
+        <a:xfrm>
+          <a:off x="0" y="0"/>
+          <a:ext cx="0" cy="0"/>
+          <a:chOff x="0" y="0"/>
+          <a:chExt cx="0" cy="0"/>
+        </a:xfrm>
+      </p:grpSpPr>
+      <p:pic>
+        <p:nvPicPr>
+          <p:cNvPr id="4" name="Picture 3">
+            <a:extLst>
+              <a:ext uri="{FF2B5EF4-FFF2-40B4-BE49-F238E27FC236}">
+                <a16:creationId xmlns:a16="http://schemas.microsoft.com/office/drawing/2014/main" id="{5B1CC0B0-CEC2-4D82-8827-4D06B53B80AD}"/>
+              </a:ext>
+            </a:extLst>
+          </p:cNvPr>
+          <p:cNvPicPr>
+            <a:picLocks noChangeAspect="1"/>
+          </p:cNvPicPr>
+          <p:nvPr/>
+        </p:nvPicPr>
+        <p:blipFill>
+          <a:blip r:embed="rId2"/>
+          <a:stretch>
+            <a:fillRect/>
+          </a:stretch>
+        </p:blipFill>
+        <p:spPr>
+          <a:xfrm>
+            <a:off x="2752724" y="1014412"/>
+            <a:ext cx="8155681" cy="5890214"/>
+          </a:xfrm>
+          <a:prstGeom prst="rect">
+            <a:avLst/>
+          </a:prstGeom>
+        </p:spPr>
+      </p:pic>
+    </p:spTree>
+    <p:extLst>
+      <p:ext uri="{BB962C8B-B14F-4D97-AF65-F5344CB8AC3E}">
+        <p14:creationId xmlns:p14="http://schemas.microsoft.com/office/powerpoint/2010/main" val="3478091449"/>
+      </p:ext>
+    </p:extLst>
+  </p:cSld>
+  <p:clrMapOvr>
+    <a:masterClrMapping/>
+  </p:clrMapOvr>
+</p:sld>
+</file>
+
+<file path=ppt/slides/slide9.xml><?xml version="1.0" encoding="utf-8"?>
+<p:sld xmlns:a="http://schemas.openxmlformats.org/drawingml/2006/main" xmlns:r="http://schemas.openxmlformats.org/officeDocument/2006/relationships" xmlns:p="http://schemas.openxmlformats.org/presentationml/2006/main">
+  <p:cSld>
+    <p:spTree>
+      <p:nvGrpSpPr>
+        <p:cNvPr id="1" name=""/>
+        <p:cNvGrpSpPr/>
+        <p:nvPr/>
+      </p:nvGrpSpPr>
+      <p:grpSpPr>
+        <a:xfrm>
+          <a:off x="0" y="0"/>
+          <a:ext cx="0" cy="0"/>
+          <a:chOff x="0" y="0"/>
+          <a:chExt cx="0" cy="0"/>
+        </a:xfrm>
+      </p:grpSpPr>
+      <p:sp>
+        <p:nvSpPr>
+          <p:cNvPr id="2" name="Title 1">
+            <a:extLst>
+              <a:ext uri="{FF2B5EF4-FFF2-40B4-BE49-F238E27FC236}">
+                <a16:creationId xmlns:a16="http://schemas.microsoft.com/office/drawing/2014/main" id="{17604798-A13E-4427-A530-E1BF145D0530}"/>
+              </a:ext>
+            </a:extLst>
+          </p:cNvPr>
+          <p:cNvSpPr>
+            <a:spLocks noGrp="1"/>
+          </p:cNvSpPr>
+          <p:nvPr>
+            <p:ph type="title"/>
+          </p:nvPr>
+        </p:nvSpPr>
+        <p:spPr/>
+        <p:txBody>
+          <a:bodyPr/>
+          <a:lstStyle/>
+          <a:p>
+            <a:pPr algn="ctr"/>
+            <a:r>
+              <a:rPr lang="en-US" altLang="zh-CN" dirty="0"/>
+              <a:t>Raft Server State </a:t>
+            </a:r>
+            <a:endParaRPr lang="zh-CN" altLang="en-US" dirty="0"/>
+          </a:p>
+        </p:txBody>
+      </p:sp>
+      <p:sp>
+        <p:nvSpPr>
+          <p:cNvPr id="3" name="Content Placeholder 2">
+            <a:extLst>
+              <a:ext uri="{FF2B5EF4-FFF2-40B4-BE49-F238E27FC236}">
+                <a16:creationId xmlns:a16="http://schemas.microsoft.com/office/drawing/2014/main" id="{07FDC30B-DA18-4A0E-87D3-49D82AC610FE}"/>
+              </a:ext>
+            </a:extLst>
+          </p:cNvPr>
+          <p:cNvSpPr>
+            <a:spLocks noGrp="1"/>
+          </p:cNvSpPr>
+          <p:nvPr>
+            <p:ph idx="1"/>
+          </p:nvPr>
+        </p:nvSpPr>
+        <p:spPr>
+          <a:xfrm>
+            <a:off x="1638300" y="1600940"/>
+            <a:ext cx="8915400" cy="2882284"/>
+          </a:xfrm>
+        </p:spPr>
+        <p:txBody>
+          <a:bodyPr>
+            <a:normAutofit/>
+          </a:bodyPr>
+          <a:lstStyle/>
+          <a:p>
+            <a:r>
+              <a:rPr lang="en-US" altLang="zh-CN" dirty="0"/>
+              <a:t>These States transition between terms ( time window)</a:t>
+            </a:r>
+          </a:p>
+          <a:p>
+            <a:r>
+              <a:rPr lang="en-US" altLang="zh-CN" dirty="0"/>
+              <a:t>Time is divided into terms, and each term </a:t>
+            </a:r>
+            <a:r>
+              <a:rPr lang="en-US" altLang="zh-CN" dirty="0">
+                <a:solidFill>
+                  <a:srgbClr val="00B050"/>
+                </a:solidFill>
+              </a:rPr>
+              <a:t>begins with an election</a:t>
+            </a:r>
+            <a:r>
+              <a:rPr lang="en-US" altLang="zh-CN" dirty="0"/>
+              <a:t>. After a successful election, a single leader manages the cluster until the end of the term. Some elections fail, in which case the term ends without choosing a leader. The transitions between terms may be observed at different times on different servers( this is nature in distribution system since individual server may incur different events).</a:t>
+            </a:r>
+          </a:p>
+          <a:p>
+            <a:r>
+              <a:rPr lang="en-US" altLang="zh-CN" dirty="0"/>
+              <a:t>But Raft ensure at most ONLY one leader in given term.</a:t>
+            </a:r>
+            <a:endParaRPr lang="zh-CN" altLang="en-US" dirty="0"/>
+          </a:p>
+        </p:txBody>
+      </p:sp>
+      <p:pic>
+        <p:nvPicPr>
+          <p:cNvPr id="7" name="Picture 6">
+            <a:extLst>
+              <a:ext uri="{FF2B5EF4-FFF2-40B4-BE49-F238E27FC236}">
+                <a16:creationId xmlns:a16="http://schemas.microsoft.com/office/drawing/2014/main" id="{55F7FFAC-2F52-4533-B046-D9882D67A780}"/>
+              </a:ext>
+            </a:extLst>
+          </p:cNvPr>
+          <p:cNvPicPr>
+            <a:picLocks noChangeAspect="1"/>
+          </p:cNvPicPr>
+          <p:nvPr/>
+        </p:nvPicPr>
+        <p:blipFill>
+          <a:blip r:embed="rId2"/>
+          <a:stretch>
+            <a:fillRect/>
+          </a:stretch>
+        </p:blipFill>
+        <p:spPr>
+          <a:xfrm>
+            <a:off x="2041065" y="4469315"/>
+            <a:ext cx="5992061" cy="1981477"/>
+          </a:xfrm>
+          <a:prstGeom prst="rect">
+            <a:avLst/>
+          </a:prstGeom>
+        </p:spPr>
+      </p:pic>
+    </p:spTree>
+    <p:extLst>
+      <p:ext uri="{BB962C8B-B14F-4D97-AF65-F5344CB8AC3E}">
+        <p14:creationId xmlns:p14="http://schemas.microsoft.com/office/powerpoint/2010/main" val="1314296810"/>
       </p:ext>
     </p:extLst>
   </p:cSld>
